--- a/수업자료/파이썬 5.pptx
+++ b/수업자료/파이썬 5.pptx
@@ -265,7 +265,7 @@
           <a:p>
             <a:fld id="{26E2ECC0-5849-4A59-942D-C761FDE0359C}" type="datetimeFigureOut">
               <a:rPr lang="ko-KR" altLang="en-US" smtClean="0"/>
-              <a:t>2023-03-15</a:t>
+              <a:t>2023-03-19</a:t>
             </a:fld>
             <a:endParaRPr lang="ko-KR" altLang="en-US"/>
           </a:p>
@@ -795,7 +795,7 @@
           <a:p>
             <a:fld id="{4C5E94B8-1199-48B0-8149-7F350A6B999E}" type="datetimeFigureOut">
               <a:rPr lang="ko-KR" altLang="en-US" smtClean="0"/>
-              <a:t>2023-03-15</a:t>
+              <a:t>2023-03-19</a:t>
             </a:fld>
             <a:endParaRPr lang="ko-KR" altLang="en-US"/>
           </a:p>
@@ -963,7 +963,7 @@
           <a:p>
             <a:fld id="{4C5E94B8-1199-48B0-8149-7F350A6B999E}" type="datetimeFigureOut">
               <a:rPr lang="ko-KR" altLang="en-US" smtClean="0"/>
-              <a:t>2023-03-15</a:t>
+              <a:t>2023-03-19</a:t>
             </a:fld>
             <a:endParaRPr lang="ko-KR" altLang="en-US"/>
           </a:p>
@@ -1141,7 +1141,7 @@
           <a:p>
             <a:fld id="{4C5E94B8-1199-48B0-8149-7F350A6B999E}" type="datetimeFigureOut">
               <a:rPr lang="ko-KR" altLang="en-US" smtClean="0"/>
-              <a:t>2023-03-15</a:t>
+              <a:t>2023-03-19</a:t>
             </a:fld>
             <a:endParaRPr lang="ko-KR" altLang="en-US"/>
           </a:p>
@@ -1278,7 +1278,7 @@
           <a:p>
             <a:fld id="{1961B9F4-9423-4495-B011-CDBCE471B9EA}" type="datetimeFigureOut">
               <a:rPr lang="ko-KR" altLang="en-US" smtClean="0"/>
-              <a:t>2023-03-15</a:t>
+              <a:t>2023-03-19</a:t>
             </a:fld>
             <a:endParaRPr lang="ko-KR" altLang="en-US"/>
           </a:p>
@@ -1537,7 +1537,7 @@
           <a:p>
             <a:fld id="{4C5E94B8-1199-48B0-8149-7F350A6B999E}" type="datetimeFigureOut">
               <a:rPr lang="ko-KR" altLang="en-US" smtClean="0"/>
-              <a:t>2023-03-15</a:t>
+              <a:t>2023-03-19</a:t>
             </a:fld>
             <a:endParaRPr lang="ko-KR" altLang="en-US"/>
           </a:p>
@@ -1782,7 +1782,7 @@
           <a:p>
             <a:fld id="{4C5E94B8-1199-48B0-8149-7F350A6B999E}" type="datetimeFigureOut">
               <a:rPr lang="ko-KR" altLang="en-US" smtClean="0"/>
-              <a:t>2023-03-15</a:t>
+              <a:t>2023-03-19</a:t>
             </a:fld>
             <a:endParaRPr lang="ko-KR" altLang="en-US"/>
           </a:p>
@@ -2067,7 +2067,7 @@
           <a:p>
             <a:fld id="{4C5E94B8-1199-48B0-8149-7F350A6B999E}" type="datetimeFigureOut">
               <a:rPr lang="ko-KR" altLang="en-US" smtClean="0"/>
-              <a:t>2023-03-15</a:t>
+              <a:t>2023-03-19</a:t>
             </a:fld>
             <a:endParaRPr lang="ko-KR" altLang="en-US"/>
           </a:p>
@@ -2486,7 +2486,7 @@
           <a:p>
             <a:fld id="{4C5E94B8-1199-48B0-8149-7F350A6B999E}" type="datetimeFigureOut">
               <a:rPr lang="ko-KR" altLang="en-US" smtClean="0"/>
-              <a:t>2023-03-15</a:t>
+              <a:t>2023-03-19</a:t>
             </a:fld>
             <a:endParaRPr lang="ko-KR" altLang="en-US"/>
           </a:p>
@@ -2603,7 +2603,7 @@
           <a:p>
             <a:fld id="{4C5E94B8-1199-48B0-8149-7F350A6B999E}" type="datetimeFigureOut">
               <a:rPr lang="ko-KR" altLang="en-US" smtClean="0"/>
-              <a:t>2023-03-15</a:t>
+              <a:t>2023-03-19</a:t>
             </a:fld>
             <a:endParaRPr lang="ko-KR" altLang="en-US"/>
           </a:p>
@@ -2698,7 +2698,7 @@
           <a:p>
             <a:fld id="{4C5E94B8-1199-48B0-8149-7F350A6B999E}" type="datetimeFigureOut">
               <a:rPr lang="ko-KR" altLang="en-US" smtClean="0"/>
-              <a:t>2023-03-15</a:t>
+              <a:t>2023-03-19</a:t>
             </a:fld>
             <a:endParaRPr lang="ko-KR" altLang="en-US"/>
           </a:p>
@@ -2973,7 +2973,7 @@
           <a:p>
             <a:fld id="{4C5E94B8-1199-48B0-8149-7F350A6B999E}" type="datetimeFigureOut">
               <a:rPr lang="ko-KR" altLang="en-US" smtClean="0"/>
-              <a:t>2023-03-15</a:t>
+              <a:t>2023-03-19</a:t>
             </a:fld>
             <a:endParaRPr lang="ko-KR" altLang="en-US"/>
           </a:p>
@@ -3225,7 +3225,7 @@
           <a:p>
             <a:fld id="{4C5E94B8-1199-48B0-8149-7F350A6B999E}" type="datetimeFigureOut">
               <a:rPr lang="ko-KR" altLang="en-US" smtClean="0"/>
-              <a:t>2023-03-15</a:t>
+              <a:t>2023-03-19</a:t>
             </a:fld>
             <a:endParaRPr lang="ko-KR" altLang="en-US"/>
           </a:p>
@@ -3436,7 +3436,7 @@
           <a:p>
             <a:fld id="{4C5E94B8-1199-48B0-8149-7F350A6B999E}" type="datetimeFigureOut">
               <a:rPr lang="ko-KR" altLang="en-US" smtClean="0"/>
-              <a:t>2023-03-15</a:t>
+              <a:t>2023-03-19</a:t>
             </a:fld>
             <a:endParaRPr lang="ko-KR" altLang="en-US"/>
           </a:p>
@@ -4132,14 +4132,18 @@
             <a:r>
               <a:rPr lang="ko-KR" altLang="en-US" b="0" i="0" dirty="0">
                 <a:solidFill>
-                  <a:srgbClr val="374151"/>
+                  <a:srgbClr val="FF0000"/>
                 </a:solidFill>
                 <a:effectLst/>
                 <a:latin typeface="Söhne"/>
               </a:rPr>
               <a:t>인스턴스는 객체 지향 프로그래밍에서 클래스를 이용하여 실체화된 객체</a:t>
             </a:r>
-            <a:endParaRPr lang="ko-KR" altLang="en-US" dirty="0"/>
+            <a:endParaRPr lang="ko-KR" altLang="en-US" dirty="0">
+              <a:solidFill>
+                <a:srgbClr val="FF0000"/>
+              </a:solidFill>
+            </a:endParaRPr>
           </a:p>
         </p:txBody>
       </p:sp>
@@ -4568,7 +4572,7 @@
             <a:r>
               <a:rPr lang="ko-KR" altLang="en-US" b="0" i="0" dirty="0" err="1">
                 <a:solidFill>
-                  <a:srgbClr val="374151"/>
+                  <a:srgbClr val="FF0000"/>
                 </a:solidFill>
                 <a:effectLst/>
                 <a:latin typeface="Söhne"/>
@@ -4578,7 +4582,7 @@
             <a:r>
               <a:rPr lang="ko-KR" altLang="en-US" b="0" i="0" dirty="0">
                 <a:solidFill>
-                  <a:srgbClr val="374151"/>
+                  <a:srgbClr val="FF0000"/>
                 </a:solidFill>
                 <a:effectLst/>
                 <a:latin typeface="Söhne"/>
@@ -4588,7 +4592,7 @@
             <a:r>
               <a:rPr lang="en-US" altLang="ko-KR" b="0" i="0" dirty="0">
                 <a:solidFill>
-                  <a:srgbClr val="374151"/>
+                  <a:srgbClr val="FF0000"/>
                 </a:solidFill>
                 <a:effectLst/>
                 <a:latin typeface="Söhne"/>
@@ -4598,7 +4602,7 @@
             <a:r>
               <a:rPr lang="ko-KR" altLang="en-US" b="0" i="0" dirty="0">
                 <a:solidFill>
-                  <a:srgbClr val="374151"/>
+                  <a:srgbClr val="FF0000"/>
                 </a:solidFill>
                 <a:effectLst/>
                 <a:latin typeface="Söhne"/>
@@ -4608,7 +4612,7 @@
             <a:r>
               <a:rPr lang="en-US" altLang="ko-KR" b="0" i="0" dirty="0">
                 <a:solidFill>
-                  <a:srgbClr val="374151"/>
+                  <a:srgbClr val="FF0000"/>
                 </a:solidFill>
                 <a:effectLst/>
                 <a:latin typeface="Söhne"/>
@@ -4618,7 +4622,7 @@
             <a:r>
               <a:rPr lang="ko-KR" altLang="en-US" b="0" i="0" dirty="0">
                 <a:solidFill>
-                  <a:srgbClr val="374151"/>
+                  <a:srgbClr val="FF0000"/>
                 </a:solidFill>
                 <a:effectLst/>
                 <a:latin typeface="Söhne"/>
@@ -4628,7 +4632,7 @@
             <a:r>
               <a:rPr lang="en-US" altLang="ko-KR" b="0" i="0" dirty="0">
                 <a:solidFill>
-                  <a:srgbClr val="374151"/>
+                  <a:srgbClr val="FF0000"/>
                 </a:solidFill>
                 <a:effectLst/>
                 <a:latin typeface="Söhne"/>
@@ -4638,7 +4642,7 @@
             <a:r>
               <a:rPr lang="ko-KR" altLang="en-US" b="0" i="0" dirty="0">
                 <a:solidFill>
-                  <a:srgbClr val="374151"/>
+                  <a:srgbClr val="FF0000"/>
                 </a:solidFill>
                 <a:effectLst/>
                 <a:latin typeface="Söhne"/>
@@ -4648,7 +4652,7 @@
             <a:r>
               <a:rPr lang="en-US" altLang="ko-KR" b="0" i="0" dirty="0">
                 <a:solidFill>
-                  <a:srgbClr val="374151"/>
+                  <a:srgbClr val="FF0000"/>
                 </a:solidFill>
                 <a:effectLst/>
                 <a:latin typeface="Söhne"/>
@@ -4659,7 +4663,7 @@
           <a:p>
             <a:endParaRPr lang="en-US" altLang="ko-KR" dirty="0">
               <a:solidFill>
-                <a:srgbClr val="374151"/>
+                <a:srgbClr val="FF0000"/>
               </a:solidFill>
               <a:latin typeface="Söhne"/>
             </a:endParaRPr>
@@ -9050,7 +9054,7 @@
         <p:spPr>
           <a:xfrm>
             <a:off x="827584" y="3717032"/>
-            <a:ext cx="7488832" cy="2308324"/>
+            <a:ext cx="8229600" cy="2308324"/>
           </a:xfrm>
           <a:prstGeom prst="rect">
             <a:avLst/>
@@ -9109,13 +9113,42 @@
               <a:t> = age  # age </a:t>
             </a:r>
             <a:r>
-              <a:rPr lang="ko-KR" altLang="en-US" dirty="0" err="1"/>
-              <a:t>인스턴스</a:t>
-            </a:r>
-            <a:r>
-              <a:rPr lang="ko-KR" altLang="en-US" dirty="0"/>
-              <a:t> 변수를 비공개로 설정</a:t>
-            </a:r>
+              <a:rPr lang="ko-KR" altLang="en-US" dirty="0"/>
+              <a:t>인스턴스 변수를 비공개로 설정 </a:t>
+            </a:r>
+            <a:r>
+              <a:rPr lang="en-US" altLang="ko-KR" dirty="0"/>
+              <a:t>//</a:t>
+            </a:r>
+            <a:r>
+              <a:rPr lang="en-US" altLang="ko-KR" dirty="0">
+                <a:solidFill>
+                  <a:srgbClr val="FF0000"/>
+                </a:solidFill>
+              </a:rPr>
+              <a:t>java</a:t>
+            </a:r>
+            <a:r>
+              <a:rPr lang="ko-KR" altLang="en-US" dirty="0">
+                <a:solidFill>
+                  <a:srgbClr val="FF0000"/>
+                </a:solidFill>
+              </a:rPr>
+              <a:t>의 </a:t>
+            </a:r>
+            <a:r>
+              <a:rPr lang="en-US" altLang="ko-KR" dirty="0">
+                <a:solidFill>
+                  <a:srgbClr val="FF0000"/>
+                </a:solidFill>
+              </a:rPr>
+              <a:t>private</a:t>
+            </a:r>
+            <a:endParaRPr lang="ko-KR" altLang="en-US" dirty="0">
+              <a:solidFill>
+                <a:srgbClr val="FF0000"/>
+              </a:solidFill>
+            </a:endParaRPr>
           </a:p>
           <a:p>
             <a:endParaRPr lang="ko-KR" altLang="en-US" dirty="0"/>
@@ -9710,9 +9743,63 @@
             </a:r>
           </a:p>
           <a:p>
+            <a:r>
+              <a:rPr lang="ko-KR" altLang="en-US" dirty="0">
+                <a:solidFill>
+                  <a:srgbClr val="FF0000"/>
+                </a:solidFill>
+                <a:latin typeface="Söhne"/>
+              </a:rPr>
+              <a:t>상속 받는 이유 </a:t>
+            </a:r>
+            <a:r>
+              <a:rPr lang="en-US" altLang="ko-KR" dirty="0">
+                <a:solidFill>
+                  <a:srgbClr val="FF0000"/>
+                </a:solidFill>
+                <a:latin typeface="Söhne"/>
+              </a:rPr>
+              <a:t>– </a:t>
+            </a:r>
+            <a:r>
+              <a:rPr lang="ko-KR" altLang="en-US" dirty="0">
+                <a:solidFill>
+                  <a:srgbClr val="FF0000"/>
+                </a:solidFill>
+                <a:latin typeface="Söhne"/>
+              </a:rPr>
+              <a:t>메소드 </a:t>
+            </a:r>
+            <a:r>
+              <a:rPr lang="ko-KR" altLang="en-US" dirty="0" err="1">
+                <a:solidFill>
+                  <a:srgbClr val="FF0000"/>
+                </a:solidFill>
+                <a:latin typeface="Söhne"/>
+              </a:rPr>
+              <a:t>오버라이딩하려고</a:t>
+            </a:r>
+            <a:r>
+              <a:rPr lang="en-US" altLang="ko-KR" dirty="0">
+                <a:solidFill>
+                  <a:srgbClr val="FF0000"/>
+                </a:solidFill>
+                <a:latin typeface="Söhne"/>
+              </a:rPr>
+              <a:t>, </a:t>
+            </a:r>
+            <a:r>
+              <a:rPr lang="ko-KR" altLang="en-US" dirty="0">
+                <a:solidFill>
+                  <a:srgbClr val="FF0000"/>
+                </a:solidFill>
+                <a:latin typeface="Söhne"/>
+              </a:rPr>
+              <a:t>변수도 쓰고</a:t>
+            </a:r>
             <a:endParaRPr lang="en-US" altLang="ko-KR" dirty="0">
               <a:solidFill>
-                <a:srgbClr val="374151"/>
+                <a:srgbClr val="FF0000"/>
               </a:solidFill>
               <a:latin typeface="Söhne"/>
             </a:endParaRPr>
@@ -10766,7 +10853,7 @@
         </p:nvSpPr>
         <p:spPr>
           <a:xfrm>
-            <a:off x="611560" y="2636912"/>
+            <a:off x="251520" y="2335376"/>
             <a:ext cx="8077200" cy="3785652"/>
           </a:xfrm>
           <a:prstGeom prst="rect">
@@ -12729,7 +12816,7 @@
         </p:nvSpPr>
         <p:spPr>
           <a:xfrm>
-            <a:off x="4211960" y="260648"/>
+            <a:off x="4266828" y="258901"/>
             <a:ext cx="4464496" cy="6340197"/>
           </a:xfrm>
           <a:prstGeom prst="rect">
@@ -19626,15 +19713,20 @@
             <p:ph type="title"/>
           </p:nvPr>
         </p:nvSpPr>
-        <p:spPr/>
+        <p:spPr>
+          <a:xfrm>
+            <a:off x="457200" y="116632"/>
+            <a:ext cx="8229600" cy="562074"/>
+          </a:xfrm>
+        </p:spPr>
         <p:txBody>
           <a:bodyPr>
-            <a:normAutofit fontScale="90000"/>
+            <a:normAutofit/>
           </a:bodyPr>
           <a:lstStyle/>
           <a:p>
             <a:r>
-              <a:rPr lang="ko-KR" altLang="en-US" b="0" i="0" dirty="0">
+              <a:rPr lang="ko-KR" altLang="en-US" sz="2800" b="0" i="0" dirty="0">
                 <a:solidFill>
                   <a:srgbClr val="374151"/>
                 </a:solidFill>
@@ -19644,7 +19736,7 @@
               <a:t>생성자</a:t>
             </a:r>
             <a:r>
-              <a:rPr lang="en-US" altLang="ko-KR" b="0" i="0" dirty="0">
+              <a:rPr lang="en-US" altLang="ko-KR" sz="2800" b="0" i="0" dirty="0">
                 <a:solidFill>
                   <a:srgbClr val="374151"/>
                 </a:solidFill>
@@ -19653,7 +19745,7 @@
               </a:rPr>
               <a:t>(Constructor)</a:t>
             </a:r>
-            <a:endParaRPr lang="ko-KR" altLang="en-US" dirty="0"/>
+            <a:endParaRPr lang="ko-KR" altLang="en-US" sz="2800" dirty="0"/>
           </a:p>
         </p:txBody>
       </p:sp>
@@ -19671,8 +19763,8 @@
         </p:nvSpPr>
         <p:spPr>
           <a:xfrm>
-            <a:off x="1835696" y="1053891"/>
-            <a:ext cx="5760640" cy="4247317"/>
+            <a:off x="457200" y="476672"/>
+            <a:ext cx="9361040" cy="4801314"/>
           </a:xfrm>
           <a:prstGeom prst="rect">
             <a:avLst/>
@@ -19745,6 +19837,152 @@
             </a:r>
             <a:r>
               <a:rPr lang="ko-KR" altLang="en-US" dirty="0"/>
+              <a:t>): </a:t>
+            </a:r>
+            <a:r>
+              <a:rPr lang="en-US" altLang="ko-KR" dirty="0"/>
+              <a:t>//self</a:t>
+            </a:r>
+            <a:r>
+              <a:rPr lang="ko-KR" altLang="en-US" dirty="0"/>
+              <a:t>가 </a:t>
+            </a:r>
+            <a:r>
+              <a:rPr lang="en-US" altLang="ko-KR" dirty="0"/>
+              <a:t>this</a:t>
+            </a:r>
+            <a:r>
+              <a:rPr lang="ko-KR" altLang="en-US" dirty="0"/>
+              <a:t>랑 </a:t>
+            </a:r>
+            <a:r>
+              <a:rPr lang="ko-KR" altLang="en-US" dirty="0" err="1"/>
+              <a:t>비슷한듯</a:t>
+            </a:r>
+            <a:r>
+              <a:rPr lang="en-US" altLang="ko-KR" dirty="0"/>
+              <a:t>. </a:t>
+            </a:r>
+            <a:r>
+              <a:rPr lang="ko-KR" altLang="en-US" dirty="0"/>
+              <a:t>매개변수를 생성자에서 받고</a:t>
+            </a:r>
+            <a:endParaRPr lang="en-US" altLang="ko-KR" dirty="0"/>
+          </a:p>
+          <a:p>
+            <a:r>
+              <a:rPr lang="en-US" altLang="ko-KR" dirty="0"/>
+              <a:t>				self</a:t>
+            </a:r>
+            <a:r>
+              <a:rPr lang="ko-KR" altLang="en-US" dirty="0"/>
+              <a:t>에 매개변수 저장</a:t>
+            </a:r>
+            <a:r>
+              <a:rPr lang="en-US" altLang="ko-KR" dirty="0"/>
+              <a:t>(</a:t>
+            </a:r>
+            <a:r>
+              <a:rPr lang="ko-KR" altLang="en-US" dirty="0"/>
+              <a:t>자바에서 </a:t>
+            </a:r>
+            <a:r>
+              <a:rPr lang="en-US" altLang="ko-KR" dirty="0"/>
+              <a:t>this</a:t>
+            </a:r>
+            <a:r>
+              <a:rPr lang="ko-KR" altLang="en-US" dirty="0"/>
+              <a:t>에 저장하듯이</a:t>
+            </a:r>
+            <a:r>
+              <a:rPr lang="en-US" altLang="ko-KR" dirty="0"/>
+              <a:t>).					</a:t>
+            </a:r>
+            <a:r>
+              <a:rPr lang="ko-KR" altLang="en-US" dirty="0"/>
+              <a:t>그리고 저장한 매개변수를 클래스 내 다른 메소드에서</a:t>
+            </a:r>
+          </a:p>
+          <a:p>
+            <a:r>
+              <a:rPr lang="ko-KR" altLang="en-US" dirty="0"/>
+              <a:t>        </a:t>
+            </a:r>
+            <a:r>
+              <a:rPr lang="ko-KR" altLang="en-US" dirty="0" err="1"/>
+              <a:t>self.width</a:t>
+            </a:r>
+            <a:r>
+              <a:rPr lang="ko-KR" altLang="en-US" dirty="0"/>
+              <a:t> = </a:t>
+            </a:r>
+            <a:r>
+              <a:rPr lang="ko-KR" altLang="en-US" dirty="0" err="1"/>
+              <a:t>width</a:t>
+            </a:r>
+            <a:r>
+              <a:rPr lang="en-US" altLang="ko-KR" dirty="0"/>
+              <a:t>		</a:t>
+            </a:r>
+            <a:r>
+              <a:rPr lang="ko-KR" altLang="en-US" dirty="0"/>
+              <a:t>쓸 수 있다</a:t>
+            </a:r>
+            <a:r>
+              <a:rPr lang="en-US" altLang="ko-KR" dirty="0"/>
+              <a:t>.</a:t>
+            </a:r>
+            <a:endParaRPr lang="ko-KR" altLang="en-US" dirty="0"/>
+          </a:p>
+          <a:p>
+            <a:r>
+              <a:rPr lang="ko-KR" altLang="en-US" dirty="0"/>
+              <a:t>        </a:t>
+            </a:r>
+            <a:r>
+              <a:rPr lang="ko-KR" altLang="en-US" dirty="0" err="1"/>
+              <a:t>self.height</a:t>
+            </a:r>
+            <a:r>
+              <a:rPr lang="ko-KR" altLang="en-US" dirty="0"/>
+              <a:t> = </a:t>
+            </a:r>
+            <a:r>
+              <a:rPr lang="ko-KR" altLang="en-US" dirty="0" err="1"/>
+              <a:t>height</a:t>
+            </a:r>
+            <a:endParaRPr lang="ko-KR" altLang="en-US" dirty="0"/>
+          </a:p>
+          <a:p>
+            <a:endParaRPr lang="ko-KR" altLang="en-US" dirty="0"/>
+          </a:p>
+          <a:p>
+            <a:r>
+              <a:rPr lang="ko-KR" altLang="en-US" dirty="0"/>
+              <a:t>    </a:t>
+            </a:r>
+            <a:r>
+              <a:rPr lang="ko-KR" altLang="en-US" dirty="0" err="1"/>
+              <a:t>def</a:t>
+            </a:r>
+            <a:r>
+              <a:rPr lang="ko-KR" altLang="en-US" dirty="0"/>
+              <a:t> </a:t>
+            </a:r>
+            <a:r>
+              <a:rPr lang="ko-KR" altLang="en-US" dirty="0" err="1"/>
+              <a:t>area</a:t>
+            </a:r>
+            <a:r>
+              <a:rPr lang="ko-KR" altLang="en-US" dirty="0"/>
+              <a:t>(</a:t>
+            </a:r>
+            <a:r>
+              <a:rPr lang="ko-KR" altLang="en-US" dirty="0" err="1"/>
+              <a:t>self</a:t>
+            </a:r>
+            <a:r>
+              <a:rPr lang="ko-KR" altLang="en-US" dirty="0"/>
               <a:t>):</a:t>
             </a:r>
           </a:p>
@@ -19755,101 +19993,30 @@
             </a:r>
             <a:r>
               <a:rPr lang="ko-KR" altLang="en-US" dirty="0" err="1"/>
+              <a:t>return</a:t>
+            </a:r>
+            <a:r>
+              <a:rPr lang="ko-KR" altLang="en-US" dirty="0"/>
+              <a:t> </a:t>
+            </a:r>
+            <a:r>
+              <a:rPr lang="ko-KR" altLang="en-US" dirty="0" err="1"/>
               <a:t>self.width</a:t>
             </a:r>
             <a:r>
               <a:rPr lang="ko-KR" altLang="en-US" dirty="0"/>
-              <a:t> = </a:t>
-            </a:r>
-            <a:r>
-              <a:rPr lang="ko-KR" altLang="en-US" dirty="0" err="1"/>
-              <a:t>width</a:t>
+              <a:t> * </a:t>
+            </a:r>
+            <a:r>
+              <a:rPr lang="ko-KR" altLang="en-US" dirty="0" err="1"/>
+              <a:t>self.height</a:t>
             </a:r>
             <a:endParaRPr lang="ko-KR" altLang="en-US" dirty="0"/>
           </a:p>
           <a:p>
-            <a:r>
-              <a:rPr lang="ko-KR" altLang="en-US" dirty="0"/>
-              <a:t>        </a:t>
-            </a:r>
-            <a:r>
-              <a:rPr lang="ko-KR" altLang="en-US" dirty="0" err="1"/>
-              <a:t>self.height</a:t>
-            </a:r>
-            <a:r>
-              <a:rPr lang="ko-KR" altLang="en-US" dirty="0"/>
-              <a:t> = </a:t>
-            </a:r>
-            <a:r>
-              <a:rPr lang="ko-KR" altLang="en-US" dirty="0" err="1"/>
-              <a:t>height</a:t>
-            </a:r>
             <a:endParaRPr lang="ko-KR" altLang="en-US" dirty="0"/>
           </a:p>
           <a:p>
-            <a:endParaRPr lang="ko-KR" altLang="en-US" dirty="0"/>
-          </a:p>
-          <a:p>
-            <a:r>
-              <a:rPr lang="ko-KR" altLang="en-US" dirty="0"/>
-              <a:t>    </a:t>
-            </a:r>
-            <a:r>
-              <a:rPr lang="ko-KR" altLang="en-US" dirty="0" err="1"/>
-              <a:t>def</a:t>
-            </a:r>
-            <a:r>
-              <a:rPr lang="ko-KR" altLang="en-US" dirty="0"/>
-              <a:t> </a:t>
-            </a:r>
-            <a:r>
-              <a:rPr lang="ko-KR" altLang="en-US" dirty="0" err="1"/>
-              <a:t>area</a:t>
-            </a:r>
-            <a:r>
-              <a:rPr lang="ko-KR" altLang="en-US" dirty="0"/>
-              <a:t>(</a:t>
-            </a:r>
-            <a:r>
-              <a:rPr lang="ko-KR" altLang="en-US" dirty="0" err="1"/>
-              <a:t>self</a:t>
-            </a:r>
-            <a:r>
-              <a:rPr lang="ko-KR" altLang="en-US" dirty="0"/>
-              <a:t>):</a:t>
-            </a:r>
-          </a:p>
-          <a:p>
-            <a:r>
-              <a:rPr lang="ko-KR" altLang="en-US" dirty="0"/>
-              <a:t>        </a:t>
-            </a:r>
-            <a:r>
-              <a:rPr lang="ko-KR" altLang="en-US" dirty="0" err="1"/>
-              <a:t>return</a:t>
-            </a:r>
-            <a:r>
-              <a:rPr lang="ko-KR" altLang="en-US" dirty="0"/>
-              <a:t> </a:t>
-            </a:r>
-            <a:r>
-              <a:rPr lang="ko-KR" altLang="en-US" dirty="0" err="1"/>
-              <a:t>self.width</a:t>
-            </a:r>
-            <a:r>
-              <a:rPr lang="ko-KR" altLang="en-US" dirty="0"/>
-              <a:t> * </a:t>
-            </a:r>
-            <a:r>
-              <a:rPr lang="ko-KR" altLang="en-US" dirty="0" err="1"/>
-              <a:t>self.height</a:t>
-            </a:r>
-            <a:endParaRPr lang="ko-KR" altLang="en-US" dirty="0"/>
-          </a:p>
-          <a:p>
-            <a:endParaRPr lang="ko-KR" altLang="en-US" dirty="0"/>
-          </a:p>
-          <a:p>
             <a:r>
               <a:rPr lang="ko-KR" altLang="en-US" dirty="0"/>
               <a:t># 인스턴스 생성 시 생성자 메서드 호출</a:t>
@@ -19866,7 +20033,15 @@
             </a:r>
             <a:r>
               <a:rPr lang="ko-KR" altLang="en-US" dirty="0"/>
-              <a:t>(3, 4)</a:t>
+              <a:t>(3, 4) </a:t>
+            </a:r>
+            <a:r>
+              <a:rPr lang="en-US" altLang="ko-KR" dirty="0"/>
+              <a:t>//</a:t>
+            </a:r>
+            <a:r>
+              <a:rPr lang="ko-KR" altLang="en-US" dirty="0"/>
+              <a:t>인스턴스 생성하고 매개변수 전달</a:t>
             </a:r>
           </a:p>
           <a:p>
@@ -19876,7 +20051,15 @@
             </a:r>
             <a:r>
               <a:rPr lang="ko-KR" altLang="en-US" dirty="0"/>
-              <a:t>(rectangle1.width) # 출력 결과: 3</a:t>
+              <a:t>(rectangle1.width) # 출력 결과: 3 </a:t>
+            </a:r>
+            <a:r>
+              <a:rPr lang="en-US" altLang="ko-KR" dirty="0"/>
+              <a:t>// </a:t>
+            </a:r>
+            <a:r>
+              <a:rPr lang="ko-KR" altLang="en-US" dirty="0"/>
+              <a:t>클래스의 멤버변수에 접근 가능</a:t>
             </a:r>
           </a:p>
           <a:p>
@@ -20093,7 +20276,11 @@
           </a:p>
           <a:p>
             <a:r>
-              <a:rPr lang="en-US" altLang="ko-KR" dirty="0"/>
+              <a:rPr lang="en-US" altLang="ko-KR" dirty="0">
+                <a:solidFill>
+                  <a:srgbClr val="FF0000"/>
+                </a:solidFill>
+              </a:rPr>
               <a:t>self</a:t>
             </a:r>
             <a:r>
@@ -20114,7 +20301,19 @@
             </a:r>
             <a:r>
               <a:rPr lang="ko-KR" altLang="en-US" dirty="0"/>
-              <a:t>를 비롯한 클래스 내의 모든 인스턴스 메서드의 첫 번째 인자로 전달되며</a:t>
+              <a:t>를 비롯한 </a:t>
+            </a:r>
+            <a:r>
+              <a:rPr lang="ko-KR" altLang="en-US" dirty="0">
+                <a:solidFill>
+                  <a:srgbClr val="FF0000"/>
+                </a:solidFill>
+              </a:rPr>
+              <a:t>클래스 내의 모든 인스턴스 메서드의 첫 번째 인자</a:t>
+            </a:r>
+            <a:r>
+              <a:rPr lang="ko-KR" altLang="en-US" dirty="0"/>
+              <a:t>로 전달되며</a:t>
             </a:r>
             <a:r>
               <a:rPr lang="en-US" altLang="ko-KR" dirty="0"/>
@@ -20722,7 +20921,7 @@
             <a:r>
               <a:rPr lang="ko-KR" altLang="en-US" b="0" i="0" dirty="0">
                 <a:solidFill>
-                  <a:srgbClr val="374151"/>
+                  <a:srgbClr val="FF0000"/>
                 </a:solidFill>
                 <a:effectLst/>
                 <a:latin typeface="Söhne"/>
